--- a/Schlusspräsi.pptx
+++ b/Schlusspräsi.pptx
@@ -12,8 +12,9 @@
     <p:sldId id="262" r:id="rId6"/>
     <p:sldId id="264" r:id="rId7"/>
     <p:sldId id="263" r:id="rId8"/>
-    <p:sldId id="260" r:id="rId9"/>
-    <p:sldId id="261" r:id="rId10"/>
+    <p:sldId id="265" r:id="rId9"/>
+    <p:sldId id="260" r:id="rId10"/>
+    <p:sldId id="261" r:id="rId11"/>
   </p:sldIdLst>
   <p:sldSz cx="12192000" cy="6858000"/>
   <p:notesSz cx="6858000" cy="9144000"/>
@@ -3687,6 +3688,196 @@
 </p:sld>
 </file>
 
+<file path=ppt/slides/slide10.xml><?xml version="1.0" encoding="utf-8"?>
+<p:sld xmlns:a="http://schemas.openxmlformats.org/drawingml/2006/main" xmlns:r="http://schemas.openxmlformats.org/officeDocument/2006/relationships" xmlns:p="http://schemas.openxmlformats.org/presentationml/2006/main" showMasterSp="0">
+  <p:cSld>
+    <p:bg>
+      <p:bgPr>
+        <a:solidFill>
+          <a:srgbClr val="4A4A4A"/>
+        </a:solidFill>
+        <a:effectLst/>
+      </p:bgPr>
+    </p:bg>
+    <p:spTree>
+      <p:nvGrpSpPr>
+        <p:cNvPr id="1" name=""/>
+        <p:cNvGrpSpPr/>
+        <p:nvPr/>
+      </p:nvGrpSpPr>
+      <p:grpSpPr>
+        <a:xfrm>
+          <a:off x="0" y="0"/>
+          <a:ext cx="0" cy="0"/>
+          <a:chOff x="0" y="0"/>
+          <a:chExt cx="0" cy="0"/>
+        </a:xfrm>
+      </p:grpSpPr>
+      <p:sp>
+        <p:nvSpPr>
+          <p:cNvPr id="2" name="Titel 1"/>
+          <p:cNvSpPr>
+            <a:spLocks noGrp="1"/>
+          </p:cNvSpPr>
+          <p:nvPr>
+            <p:ph type="title"/>
+          </p:nvPr>
+        </p:nvSpPr>
+        <p:spPr>
+          <a:xfrm>
+            <a:off x="1261872" y="365760"/>
+            <a:ext cx="9692640" cy="427870"/>
+          </a:xfrm>
+        </p:spPr>
+        <p:txBody>
+          <a:bodyPr>
+            <a:noAutofit/>
+          </a:bodyPr>
+          <a:lstStyle/>
+          <a:p>
+            <a:pPr algn="ctr"/>
+            <a:r>
+              <a:rPr lang="de-CH" sz="2400" b="1" dirty="0" smtClean="0">
+                <a:solidFill>
+                  <a:srgbClr val="92D050"/>
+                </a:solidFill>
+                <a:latin typeface="Helvetica" panose="020B0604020202020204" pitchFamily="34" charset="0"/>
+                <a:cs typeface="Helvetica" panose="020B0604020202020204" pitchFamily="34" charset="0"/>
+              </a:rPr>
+              <a:t>Fragen</a:t>
+            </a:r>
+            <a:endParaRPr lang="en-US" sz="2400" b="1" dirty="0">
+              <a:solidFill>
+                <a:srgbClr val="92D050"/>
+              </a:solidFill>
+              <a:latin typeface="Helvetica" panose="020B0604020202020204" pitchFamily="34" charset="0"/>
+              <a:cs typeface="Helvetica" panose="020B0604020202020204" pitchFamily="34" charset="0"/>
+            </a:endParaRPr>
+          </a:p>
+        </p:txBody>
+      </p:sp>
+      <p:cxnSp>
+        <p:nvCxnSpPr>
+          <p:cNvPr id="5" name="Gerader Verbinder 4"/>
+          <p:cNvCxnSpPr/>
+          <p:nvPr/>
+        </p:nvCxnSpPr>
+        <p:spPr>
+          <a:xfrm flipV="1">
+            <a:off x="1362974" y="871268"/>
+            <a:ext cx="9591538" cy="34506"/>
+          </a:xfrm>
+          <a:prstGeom prst="line">
+            <a:avLst/>
+          </a:prstGeom>
+          <a:effectLst/>
+        </p:spPr>
+        <p:style>
+          <a:lnRef idx="3">
+            <a:schemeClr val="accent1"/>
+          </a:lnRef>
+          <a:fillRef idx="0">
+            <a:schemeClr val="accent1"/>
+          </a:fillRef>
+          <a:effectRef idx="2">
+            <a:schemeClr val="accent1"/>
+          </a:effectRef>
+          <a:fontRef idx="minor">
+            <a:schemeClr val="tx1"/>
+          </a:fontRef>
+        </p:style>
+      </p:cxnSp>
+      <p:pic>
+        <p:nvPicPr>
+          <p:cNvPr id="4100" name="Picture 4" descr="https://s3-eu-central-1.amazonaws.com/ridble/wp-content/uploads/2013/06/AndroidQuestion-705x528.png"/>
+          <p:cNvPicPr>
+            <a:picLocks noChangeAspect="1" noChangeArrowheads="1"/>
+          </p:cNvPicPr>
+          <p:nvPr/>
+        </p:nvPicPr>
+        <p:blipFill>
+          <a:blip r:embed="rId2">
+            <a:extLst>
+              <a:ext uri="{28A0092B-C50C-407E-A947-70E740481C1C}">
+                <a14:useLocalDpi xmlns:a14="http://schemas.microsoft.com/office/drawing/2010/main" val="0"/>
+              </a:ext>
+            </a:extLst>
+          </a:blip>
+          <a:srcRect/>
+          <a:stretch>
+            <a:fillRect/>
+          </a:stretch>
+        </p:blipFill>
+        <p:spPr bwMode="auto">
+          <a:xfrm>
+            <a:off x="5824004" y="1979525"/>
+            <a:ext cx="5552357" cy="4158362"/>
+          </a:xfrm>
+          <a:prstGeom prst="rect">
+            <a:avLst/>
+          </a:prstGeom>
+          <a:noFill/>
+          <a:extLst>
+            <a:ext uri="{909E8E84-426E-40DD-AFC4-6F175D3DCCD1}">
+              <a14:hiddenFill xmlns:a14="http://schemas.microsoft.com/office/drawing/2010/main">
+                <a:solidFill>
+                  <a:srgbClr val="FFFFFF"/>
+                </a:solidFill>
+              </a14:hiddenFill>
+            </a:ext>
+          </a:extLst>
+        </p:spPr>
+      </p:pic>
+      <p:pic>
+        <p:nvPicPr>
+          <p:cNvPr id="6" name="Grafik 5"/>
+          <p:cNvPicPr>
+            <a:picLocks noChangeAspect="1"/>
+          </p:cNvPicPr>
+          <p:nvPr/>
+        </p:nvPicPr>
+        <p:blipFill>
+          <a:blip r:embed="rId3">
+            <a:extLst>
+              <a:ext uri="{28A0092B-C50C-407E-A947-70E740481C1C}">
+                <a14:useLocalDpi xmlns:a14="http://schemas.microsoft.com/office/drawing/2010/main" val="0"/>
+              </a:ext>
+            </a:extLst>
+          </a:blip>
+          <a:stretch>
+            <a:fillRect/>
+          </a:stretch>
+        </p:blipFill>
+        <p:spPr>
+          <a:xfrm>
+            <a:off x="1460089" y="1126837"/>
+            <a:ext cx="5067300" cy="5286375"/>
+          </a:xfrm>
+          <a:prstGeom prst="rect">
+            <a:avLst/>
+          </a:prstGeom>
+        </p:spPr>
+      </p:pic>
+    </p:spTree>
+    <p:extLst>
+      <p:ext uri="{BB962C8B-B14F-4D97-AF65-F5344CB8AC3E}">
+        <p14:creationId xmlns:p14="http://schemas.microsoft.com/office/powerpoint/2010/main" val="4042212626"/>
+      </p:ext>
+    </p:extLst>
+  </p:cSld>
+  <p:clrMapOvr>
+    <a:masterClrMapping/>
+  </p:clrMapOvr>
+  <p:timing>
+    <p:tnLst>
+      <p:par>
+        <p:cTn id="1" dur="indefinite" restart="never" nodeType="tmRoot"/>
+      </p:par>
+    </p:tnLst>
+  </p:timing>
+</p:sld>
+</file>
+
 <file path=ppt/slides/slide2.xml><?xml version="1.0" encoding="utf-8"?>
 <p:sld xmlns:a="http://schemas.openxmlformats.org/drawingml/2006/main" xmlns:r="http://schemas.openxmlformats.org/officeDocument/2006/relationships" xmlns:p="http://schemas.openxmlformats.org/presentationml/2006/main" showMasterSp="0">
   <p:cSld>
@@ -3886,8 +4077,15 @@
                 <a:latin typeface="Helvetica" panose="020B0604020202020204" pitchFamily="34" charset="0"/>
                 <a:cs typeface="Helvetica" panose="020B0604020202020204" pitchFamily="34" charset="0"/>
               </a:rPr>
-              <a:t>Roadmap</a:t>
-            </a:r>
+              <a:t>Outlook</a:t>
+            </a:r>
+            <a:endParaRPr lang="de-CH" sz="2400" b="1" dirty="0" smtClean="0">
+              <a:solidFill>
+                <a:srgbClr val="92D050"/>
+              </a:solidFill>
+              <a:latin typeface="Helvetica" panose="020B0604020202020204" pitchFamily="34" charset="0"/>
+              <a:cs typeface="Helvetica" panose="020B0604020202020204" pitchFamily="34" charset="0"/>
+            </a:endParaRPr>
           </a:p>
           <a:p>
             <a:pPr>
@@ -5819,7 +6017,27 @@
                 <a:latin typeface="Helvetica" panose="020B0604020202020204" pitchFamily="34" charset="0"/>
                 <a:cs typeface="Helvetica" panose="020B0604020202020204" pitchFamily="34" charset="0"/>
               </a:rPr>
-              <a:t>Funktionalität 1: Tour Summary</a:t>
+              <a:t>Funktionalität </a:t>
+            </a:r>
+            <a:r>
+              <a:rPr lang="de-CH" sz="2400" b="1" dirty="0" smtClean="0">
+                <a:solidFill>
+                  <a:srgbClr val="92D050"/>
+                </a:solidFill>
+                <a:latin typeface="Helvetica" panose="020B0604020202020204" pitchFamily="34" charset="0"/>
+                <a:cs typeface="Helvetica" panose="020B0604020202020204" pitchFamily="34" charset="0"/>
+              </a:rPr>
+              <a:t>2: </a:t>
+            </a:r>
+            <a:r>
+              <a:rPr lang="de-CH" sz="2400" b="1" dirty="0" smtClean="0">
+                <a:solidFill>
+                  <a:srgbClr val="92D050"/>
+                </a:solidFill>
+                <a:latin typeface="Helvetica" panose="020B0604020202020204" pitchFamily="34" charset="0"/>
+                <a:cs typeface="Helvetica" panose="020B0604020202020204" pitchFamily="34" charset="0"/>
+              </a:rPr>
+              <a:t>Tour Summary</a:t>
             </a:r>
             <a:endParaRPr lang="en-US" sz="2400" b="1" dirty="0">
               <a:solidFill>
@@ -5884,12 +6102,12 @@
           </a:bodyPr>
           <a:lstStyle/>
           <a:p>
-            <a:pPr>
+            <a:pPr marL="514350" indent="-514350">
               <a:buClr>
                 <a:srgbClr val="00B0F0"/>
               </a:buClr>
-              <a:buFont typeface="Wingdings" panose="05000000000000000000" pitchFamily="2" charset="2"/>
-              <a:buChar char="§"/>
+              <a:buFont typeface="+mj-lt"/>
+              <a:buAutoNum type="arabicPeriod"/>
             </a:pPr>
             <a:r>
               <a:rPr lang="de-CH" sz="3000" b="1" dirty="0" smtClean="0">
@@ -5899,10 +6117,10 @@
                 <a:latin typeface="Helvetica" panose="020B0604020202020204" pitchFamily="34" charset="0"/>
                 <a:cs typeface="Helvetica" panose="020B0604020202020204" pitchFamily="34" charset="0"/>
               </a:rPr>
-              <a:t>Tour </a:t>
-            </a:r>
-            <a:r>
-              <a:rPr lang="de-CH" sz="3000" b="1" dirty="0" smtClean="0">
+              <a:t>Tour ist </a:t>
+            </a:r>
+            <a:r>
+              <a:rPr lang="de-CH" sz="3000" b="1" dirty="0">
                 <a:solidFill>
                   <a:srgbClr val="92D050"/>
                 </a:solidFill>
@@ -5911,21 +6129,14 @@
               </a:rPr>
               <a:t>beendet</a:t>
             </a:r>
-            <a:endParaRPr lang="de-CH" sz="3000" b="1" dirty="0" smtClean="0">
-              <a:solidFill>
-                <a:srgbClr val="92D050"/>
-              </a:solidFill>
-              <a:latin typeface="Helvetica" panose="020B0604020202020204" pitchFamily="34" charset="0"/>
-              <a:cs typeface="Helvetica" panose="020B0604020202020204" pitchFamily="34" charset="0"/>
-            </a:endParaRPr>
-          </a:p>
-          <a:p>
-            <a:pPr>
+          </a:p>
+          <a:p>
+            <a:pPr marL="514350" indent="-514350">
               <a:buClr>
                 <a:srgbClr val="00B0F0"/>
               </a:buClr>
-              <a:buFont typeface="Wingdings" panose="05000000000000000000" pitchFamily="2" charset="2"/>
-              <a:buChar char="§"/>
+              <a:buFont typeface="+mj-lt"/>
+              <a:buAutoNum type="arabicPeriod"/>
             </a:pPr>
             <a:r>
               <a:rPr lang="de-CH" sz="3000" b="1" dirty="0" smtClean="0">
@@ -6110,7 +6321,6 @@
           </a:bodyPr>
           <a:lstStyle/>
           <a:p>
-            <a:pPr algn="ctr"/>
             <a:r>
               <a:rPr lang="de-CH" sz="2400" b="1" dirty="0" smtClean="0">
                 <a:solidFill>
@@ -6119,7 +6329,7 @@
                 <a:latin typeface="Helvetica" panose="020B0604020202020204" pitchFamily="34" charset="0"/>
                 <a:cs typeface="Helvetica" panose="020B0604020202020204" pitchFamily="34" charset="0"/>
               </a:rPr>
-              <a:t>VIELEN DANK FÜR IHRE AUFMERKSAMKEIT!!!</a:t>
+              <a:t>Outlook</a:t>
             </a:r>
             <a:endParaRPr lang="en-US" sz="2400" b="1" dirty="0">
               <a:solidFill>
@@ -6139,7 +6349,7 @@
         </p:nvCxnSpPr>
         <p:spPr>
           <a:xfrm flipV="1">
-            <a:off x="1362974" y="871268"/>
+            <a:off x="1362974" y="921508"/>
             <a:ext cx="9591538" cy="34506"/>
           </a:xfrm>
           <a:prstGeom prst="line">
@@ -6164,7 +6374,7 @@
       </p:cxnSp>
       <p:sp>
         <p:nvSpPr>
-          <p:cNvPr id="14" name="Inhaltsplatzhalter 2"/>
+          <p:cNvPr id="12" name="Inhaltsplatzhalter 2"/>
           <p:cNvSpPr>
             <a:spLocks noGrp="1"/>
           </p:cNvSpPr>
@@ -6174,8 +6384,8 @@
         </p:nvSpPr>
         <p:spPr>
           <a:xfrm>
-            <a:off x="4974694" y="3091338"/>
-            <a:ext cx="4736995" cy="1825198"/>
+            <a:off x="7392846" y="3999317"/>
+            <a:ext cx="3655184" cy="605395"/>
           </a:xfrm>
         </p:spPr>
         <p:txBody>
@@ -6184,25 +6394,36 @@
           </a:bodyPr>
           <a:lstStyle/>
           <a:p>
-            <a:pPr marL="274320" lvl="1" indent="0">
+            <a:pPr>
+              <a:buClr>
+                <a:srgbClr val="00B0F0"/>
+              </a:buClr>
+              <a:buFont typeface="Wingdings" panose="05000000000000000000" pitchFamily="2" charset="2"/>
+              <a:buChar char="§"/>
+            </a:pPr>
+            <a:r>
+              <a:rPr lang="de-CH" sz="3000" b="1" dirty="0" smtClean="0">
+                <a:solidFill>
+                  <a:srgbClr val="92D050"/>
+                </a:solidFill>
+                <a:latin typeface="Helvetica" panose="020B0604020202020204" pitchFamily="34" charset="0"/>
+                <a:cs typeface="Helvetica" panose="020B0604020202020204" pitchFamily="34" charset="0"/>
+              </a:rPr>
+              <a:t>Uber Integration</a:t>
+            </a:r>
+          </a:p>
+          <a:p>
+            <a:pPr marL="0" indent="0">
               <a:buClr>
                 <a:srgbClr val="00B0F0"/>
               </a:buClr>
               <a:buNone/>
             </a:pPr>
-            <a:r>
-              <a:rPr lang="de-CH" sz="11500" b="1" dirty="0" smtClean="0">
-                <a:solidFill>
-                  <a:srgbClr val="92D050"/>
-                </a:solidFill>
-                <a:latin typeface="Helvetica" panose="020B0604020202020204" pitchFamily="34" charset="0"/>
-                <a:cs typeface="Helvetica" panose="020B0604020202020204" pitchFamily="34" charset="0"/>
-              </a:rPr>
-              <a:t>Demo</a:t>
-            </a:r>
-            <a:endParaRPr lang="de-CH" sz="7200" b="1" dirty="0" smtClean="0">
+            <a:endParaRPr lang="de-CH" sz="2200" dirty="0" smtClean="0">
               <a:solidFill>
-                <a:srgbClr val="92D050"/>
+                <a:schemeClr val="tx1">
+                  <a:lumMod val="75000"/>
+                </a:schemeClr>
               </a:solidFill>
               <a:latin typeface="Helvetica" panose="020B0604020202020204" pitchFamily="34" charset="0"/>
               <a:cs typeface="Helvetica" panose="020B0604020202020204" pitchFamily="34" charset="0"/>
@@ -6246,9 +6467,282 @@
           </a:p>
         </p:txBody>
       </p:sp>
+      <p:sp>
+        <p:nvSpPr>
+          <p:cNvPr id="3" name="Rechteck 2"/>
+          <p:cNvSpPr/>
+          <p:nvPr/>
+        </p:nvSpPr>
+        <p:spPr>
+          <a:xfrm>
+            <a:off x="2337758" y="3585284"/>
+            <a:ext cx="2812211" cy="553998"/>
+          </a:xfrm>
+          <a:prstGeom prst="rect">
+            <a:avLst/>
+          </a:prstGeom>
+        </p:spPr>
+        <p:txBody>
+          <a:bodyPr wrap="square">
+            <a:spAutoFit/>
+          </a:bodyPr>
+          <a:lstStyle/>
+          <a:p>
+            <a:pPr>
+              <a:buClr>
+                <a:srgbClr val="00B0F0"/>
+              </a:buClr>
+              <a:buFont typeface="Wingdings" panose="05000000000000000000" pitchFamily="2" charset="2"/>
+              <a:buChar char="§"/>
+            </a:pPr>
+            <a:r>
+              <a:rPr lang="de-CH" sz="3000" b="1" dirty="0" smtClean="0">
+                <a:solidFill>
+                  <a:srgbClr val="92D050"/>
+                </a:solidFill>
+                <a:latin typeface="Helvetica" panose="020B0604020202020204" pitchFamily="34" charset="0"/>
+                <a:cs typeface="Helvetica" panose="020B0604020202020204" pitchFamily="34" charset="0"/>
+              </a:rPr>
+              <a:t>User Ratings</a:t>
+            </a:r>
+            <a:endParaRPr lang="de-CH" sz="3000" b="1" dirty="0">
+              <a:solidFill>
+                <a:srgbClr val="92D050"/>
+              </a:solidFill>
+              <a:latin typeface="Helvetica" panose="020B0604020202020204" pitchFamily="34" charset="0"/>
+              <a:cs typeface="Helvetica" panose="020B0604020202020204" pitchFamily="34" charset="0"/>
+            </a:endParaRPr>
+          </a:p>
+        </p:txBody>
+      </p:sp>
+      <p:sp>
+        <p:nvSpPr>
+          <p:cNvPr id="7" name="Rechteck 6"/>
+          <p:cNvSpPr/>
+          <p:nvPr/>
+        </p:nvSpPr>
+        <p:spPr>
+          <a:xfrm>
+            <a:off x="1768594" y="1583508"/>
+            <a:ext cx="3381375" cy="530915"/>
+          </a:xfrm>
+          <a:prstGeom prst="rect">
+            <a:avLst/>
+          </a:prstGeom>
+        </p:spPr>
+        <p:txBody>
+          <a:bodyPr wrap="none">
+            <a:spAutoFit/>
+          </a:bodyPr>
+          <a:lstStyle/>
+          <a:p>
+            <a:pPr marL="182880" lvl="0" indent="-182880" defTabSz="914400">
+              <a:lnSpc>
+                <a:spcPct val="95000"/>
+              </a:lnSpc>
+              <a:spcBef>
+                <a:spcPts val="1400"/>
+              </a:spcBef>
+              <a:spcAft>
+                <a:spcPts val="200"/>
+              </a:spcAft>
+              <a:buClr>
+                <a:srgbClr val="00B0F0"/>
+              </a:buClr>
+              <a:buSzPct val="80000"/>
+              <a:buFont typeface="Wingdings" panose="05000000000000000000" pitchFamily="2" charset="2"/>
+              <a:buChar char="§"/>
+            </a:pPr>
+            <a:r>
+              <a:rPr lang="de-CH" sz="3000" b="1" spc="10" dirty="0">
+                <a:solidFill>
+                  <a:srgbClr val="92D050"/>
+                </a:solidFill>
+                <a:latin typeface="Helvetica" panose="020B0604020202020204" pitchFamily="34" charset="0"/>
+                <a:cs typeface="Helvetica" panose="020B0604020202020204" pitchFamily="34" charset="0"/>
+              </a:rPr>
+              <a:t>Admin Plattform</a:t>
+            </a:r>
+          </a:p>
+        </p:txBody>
+      </p:sp>
+      <p:sp>
+        <p:nvSpPr>
+          <p:cNvPr id="9" name="Rechteck 8"/>
+          <p:cNvSpPr/>
+          <p:nvPr/>
+        </p:nvSpPr>
+        <p:spPr>
+          <a:xfrm>
+            <a:off x="3368639" y="2478681"/>
+            <a:ext cx="6255046" cy="530915"/>
+          </a:xfrm>
+          <a:prstGeom prst="rect">
+            <a:avLst/>
+          </a:prstGeom>
+        </p:spPr>
+        <p:txBody>
+          <a:bodyPr wrap="none">
+            <a:spAutoFit/>
+          </a:bodyPr>
+          <a:lstStyle/>
+          <a:p>
+            <a:pPr marL="182880" lvl="0" indent="-182880" defTabSz="914400">
+              <a:lnSpc>
+                <a:spcPct val="95000"/>
+              </a:lnSpc>
+              <a:spcBef>
+                <a:spcPts val="1400"/>
+              </a:spcBef>
+              <a:spcAft>
+                <a:spcPts val="200"/>
+              </a:spcAft>
+              <a:buClr>
+                <a:srgbClr val="00B0F0"/>
+              </a:buClr>
+              <a:buSzPct val="80000"/>
+              <a:buFont typeface="Wingdings" panose="05000000000000000000" pitchFamily="2" charset="2"/>
+              <a:buChar char="§"/>
+            </a:pPr>
+            <a:r>
+              <a:rPr lang="de-CH" sz="3000" b="1" spc="10" dirty="0">
+                <a:solidFill>
+                  <a:srgbClr val="92D050"/>
+                </a:solidFill>
+                <a:latin typeface="Helvetica" panose="020B0604020202020204" pitchFamily="34" charset="0"/>
+                <a:cs typeface="Helvetica" panose="020B0604020202020204" pitchFamily="34" charset="0"/>
+              </a:rPr>
+              <a:t>Weitere </a:t>
+            </a:r>
+            <a:r>
+              <a:rPr lang="de-CH" sz="3000" b="1" spc="10" dirty="0" smtClean="0">
+                <a:solidFill>
+                  <a:srgbClr val="92D050"/>
+                </a:solidFill>
+                <a:latin typeface="Helvetica" panose="020B0604020202020204" pitchFamily="34" charset="0"/>
+                <a:cs typeface="Helvetica" panose="020B0604020202020204" pitchFamily="34" charset="0"/>
+              </a:rPr>
+              <a:t>Statistiken im Summary</a:t>
+            </a:r>
+            <a:endParaRPr lang="de-CH" sz="3000" b="1" spc="10" dirty="0">
+              <a:solidFill>
+                <a:srgbClr val="92D050"/>
+              </a:solidFill>
+              <a:latin typeface="Helvetica" panose="020B0604020202020204" pitchFamily="34" charset="0"/>
+              <a:cs typeface="Helvetica" panose="020B0604020202020204" pitchFamily="34" charset="0"/>
+            </a:endParaRPr>
+          </a:p>
+        </p:txBody>
+      </p:sp>
+      <p:sp>
+        <p:nvSpPr>
+          <p:cNvPr id="11" name="Rechteck 10"/>
+          <p:cNvSpPr/>
+          <p:nvPr/>
+        </p:nvSpPr>
+        <p:spPr>
+          <a:xfrm>
+            <a:off x="6701704" y="5447844"/>
+            <a:ext cx="4564493" cy="553998"/>
+          </a:xfrm>
+          <a:prstGeom prst="rect">
+            <a:avLst/>
+          </a:prstGeom>
+        </p:spPr>
+        <p:txBody>
+          <a:bodyPr wrap="square">
+            <a:spAutoFit/>
+          </a:bodyPr>
+          <a:lstStyle/>
+          <a:p>
+            <a:pPr>
+              <a:buClr>
+                <a:srgbClr val="00B0F0"/>
+              </a:buClr>
+              <a:buFont typeface="Wingdings" panose="05000000000000000000" pitchFamily="2" charset="2"/>
+              <a:buChar char="§"/>
+            </a:pPr>
+            <a:r>
+              <a:rPr lang="de-CH" sz="3000" b="1" dirty="0">
+                <a:solidFill>
+                  <a:srgbClr val="92D050"/>
+                </a:solidFill>
+                <a:latin typeface="Helvetica" panose="020B0604020202020204" pitchFamily="34" charset="0"/>
+                <a:cs typeface="Helvetica" panose="020B0604020202020204" pitchFamily="34" charset="0"/>
+              </a:rPr>
+              <a:t>User Content </a:t>
+            </a:r>
+            <a:r>
+              <a:rPr lang="de-CH" sz="3000" b="1" dirty="0" err="1">
+                <a:solidFill>
+                  <a:srgbClr val="92D050"/>
+                </a:solidFill>
+                <a:latin typeface="Helvetica" panose="020B0604020202020204" pitchFamily="34" charset="0"/>
+                <a:cs typeface="Helvetica" panose="020B0604020202020204" pitchFamily="34" charset="0"/>
+              </a:rPr>
+              <a:t>Creation</a:t>
+            </a:r>
+            <a:endParaRPr lang="de-CH" sz="3000" b="1" dirty="0">
+              <a:solidFill>
+                <a:srgbClr val="92D050"/>
+              </a:solidFill>
+              <a:latin typeface="Helvetica" panose="020B0604020202020204" pitchFamily="34" charset="0"/>
+              <a:cs typeface="Helvetica" panose="020B0604020202020204" pitchFamily="34" charset="0"/>
+            </a:endParaRPr>
+          </a:p>
+        </p:txBody>
+      </p:sp>
+      <p:sp>
+        <p:nvSpPr>
+          <p:cNvPr id="13" name="Rechteck 12"/>
+          <p:cNvSpPr/>
+          <p:nvPr/>
+        </p:nvSpPr>
+        <p:spPr>
+          <a:xfrm>
+            <a:off x="486406" y="5131204"/>
+            <a:ext cx="3555848" cy="553998"/>
+          </a:xfrm>
+          <a:prstGeom prst="rect">
+            <a:avLst/>
+          </a:prstGeom>
+        </p:spPr>
+        <p:txBody>
+          <a:bodyPr wrap="square">
+            <a:spAutoFit/>
+          </a:bodyPr>
+          <a:lstStyle/>
+          <a:p>
+            <a:pPr>
+              <a:buClr>
+                <a:srgbClr val="00B0F0"/>
+              </a:buClr>
+              <a:buFont typeface="Wingdings" panose="05000000000000000000" pitchFamily="2" charset="2"/>
+              <a:buChar char="§"/>
+            </a:pPr>
+            <a:r>
+              <a:rPr lang="de-CH" sz="3000" b="1" dirty="0" smtClean="0">
+                <a:solidFill>
+                  <a:srgbClr val="92D050"/>
+                </a:solidFill>
+                <a:latin typeface="Helvetica" panose="020B0604020202020204" pitchFamily="34" charset="0"/>
+                <a:cs typeface="Helvetica" panose="020B0604020202020204" pitchFamily="34" charset="0"/>
+              </a:rPr>
+              <a:t>Premium Routen</a:t>
+            </a:r>
+            <a:endParaRPr lang="de-CH" sz="3000" b="1" dirty="0">
+              <a:solidFill>
+                <a:srgbClr val="92D050"/>
+              </a:solidFill>
+              <a:latin typeface="Helvetica" panose="020B0604020202020204" pitchFamily="34" charset="0"/>
+              <a:cs typeface="Helvetica" panose="020B0604020202020204" pitchFamily="34" charset="0"/>
+            </a:endParaRPr>
+          </a:p>
+        </p:txBody>
+      </p:sp>
       <p:pic>
         <p:nvPicPr>
-          <p:cNvPr id="5122" name="Picture 2" descr="https://4.bp.blogspot.com/-PyNp1tnOA4E/VmneyzTYvtI/AAAAAAAACbI/NS79jaTB_IU/s1600/image01.png"/>
+          <p:cNvPr id="3074" name="Picture 2" descr="https://fortunedotcom.files.wordpress.com/2016/02/rex.png"/>
           <p:cNvPicPr>
             <a:picLocks noChangeAspect="1" noChangeArrowheads="1"/>
           </p:cNvPicPr>
@@ -6269,8 +6763,8 @@
         </p:blipFill>
         <p:spPr bwMode="auto">
           <a:xfrm>
-            <a:off x="1152347" y="1362975"/>
-            <a:ext cx="3449798" cy="5343346"/>
+            <a:off x="5910673" y="3417517"/>
+            <a:ext cx="1671451" cy="1669032"/>
           </a:xfrm>
           <a:prstGeom prst="rect">
             <a:avLst/>
@@ -6287,10 +6781,192 @@
           </a:extLst>
         </p:spPr>
       </p:pic>
+      <p:pic>
+        <p:nvPicPr>
+          <p:cNvPr id="17" name="Grafik 16"/>
+          <p:cNvPicPr>
+            <a:picLocks noChangeAspect="1"/>
+          </p:cNvPicPr>
+          <p:nvPr/>
+        </p:nvPicPr>
+        <p:blipFill>
+          <a:blip r:embed="rId3">
+            <a:extLst>
+              <a:ext uri="{28A0092B-C50C-407E-A947-70E740481C1C}">
+                <a14:useLocalDpi xmlns:a14="http://schemas.microsoft.com/office/drawing/2010/main" val="0"/>
+              </a:ext>
+            </a:extLst>
+          </a:blip>
+          <a:stretch>
+            <a:fillRect/>
+          </a:stretch>
+        </p:blipFill>
+        <p:spPr>
+          <a:xfrm>
+            <a:off x="9291153" y="1943119"/>
+            <a:ext cx="2287685" cy="1291435"/>
+          </a:xfrm>
+          <a:prstGeom prst="rect">
+            <a:avLst/>
+          </a:prstGeom>
+        </p:spPr>
+      </p:pic>
+      <p:pic>
+        <p:nvPicPr>
+          <p:cNvPr id="3078" name="Picture 6" descr="https://cdn3.iconfinder.com/data/icons/seo-marketing-5/32/seo-marketing-user-rating-review-feedback-512.png"/>
+          <p:cNvPicPr>
+            <a:picLocks noChangeAspect="1" noChangeArrowheads="1"/>
+          </p:cNvPicPr>
+          <p:nvPr/>
+        </p:nvPicPr>
+        <p:blipFill>
+          <a:blip r:embed="rId4">
+            <a:extLst>
+              <a:ext uri="{28A0092B-C50C-407E-A947-70E740481C1C}">
+                <a14:useLocalDpi xmlns:a14="http://schemas.microsoft.com/office/drawing/2010/main" val="0"/>
+              </a:ext>
+            </a:extLst>
+          </a:blip>
+          <a:srcRect/>
+          <a:stretch>
+            <a:fillRect/>
+          </a:stretch>
+        </p:blipFill>
+        <p:spPr bwMode="auto">
+          <a:xfrm>
+            <a:off x="1261872" y="3255896"/>
+            <a:ext cx="1169211" cy="1169211"/>
+          </a:xfrm>
+          <a:prstGeom prst="rect">
+            <a:avLst/>
+          </a:prstGeom>
+          <a:noFill/>
+          <a:extLst>
+            <a:ext uri="{909E8E84-426E-40DD-AFC4-6F175D3DCCD1}">
+              <a14:hiddenFill xmlns:a14="http://schemas.microsoft.com/office/drawing/2010/main">
+                <a:solidFill>
+                  <a:srgbClr val="FFFFFF"/>
+                </a:solidFill>
+              </a14:hiddenFill>
+            </a:ext>
+          </a:extLst>
+        </p:spPr>
+      </p:pic>
+      <p:pic>
+        <p:nvPicPr>
+          <p:cNvPr id="18" name="Grafik 17"/>
+          <p:cNvPicPr>
+            <a:picLocks noChangeAspect="1"/>
+          </p:cNvPicPr>
+          <p:nvPr/>
+        </p:nvPicPr>
+        <p:blipFill rotWithShape="1">
+          <a:blip r:embed="rId5">
+            <a:extLst>
+              <a:ext uri="{28A0092B-C50C-407E-A947-70E740481C1C}">
+                <a14:useLocalDpi xmlns:a14="http://schemas.microsoft.com/office/drawing/2010/main" val="0"/>
+              </a:ext>
+            </a:extLst>
+          </a:blip>
+          <a:srcRect r="27925"/>
+          <a:stretch/>
+        </p:blipFill>
+        <p:spPr>
+          <a:xfrm>
+            <a:off x="-472543" y="1089996"/>
+            <a:ext cx="2249586" cy="1706246"/>
+          </a:xfrm>
+          <a:prstGeom prst="rect">
+            <a:avLst/>
+          </a:prstGeom>
+        </p:spPr>
+      </p:pic>
+      <p:pic>
+        <p:nvPicPr>
+          <p:cNvPr id="3080" name="Picture 8" descr="http://www.googlewatchblog.de/wp-content/uploads/android-marshmallow.png"/>
+          <p:cNvPicPr>
+            <a:picLocks noChangeAspect="1" noChangeArrowheads="1"/>
+          </p:cNvPicPr>
+          <p:nvPr/>
+        </p:nvPicPr>
+        <p:blipFill>
+          <a:blip r:embed="rId6">
+            <a:extLst>
+              <a:ext uri="{28A0092B-C50C-407E-A947-70E740481C1C}">
+                <a14:useLocalDpi xmlns:a14="http://schemas.microsoft.com/office/drawing/2010/main" val="0"/>
+              </a:ext>
+            </a:extLst>
+          </a:blip>
+          <a:srcRect/>
+          <a:stretch>
+            <a:fillRect/>
+          </a:stretch>
+        </p:blipFill>
+        <p:spPr bwMode="auto">
+          <a:xfrm>
+            <a:off x="5865979" y="5187692"/>
+            <a:ext cx="948922" cy="948922"/>
+          </a:xfrm>
+          <a:prstGeom prst="rect">
+            <a:avLst/>
+          </a:prstGeom>
+          <a:noFill/>
+          <a:extLst>
+            <a:ext uri="{909E8E84-426E-40DD-AFC4-6F175D3DCCD1}">
+              <a14:hiddenFill xmlns:a14="http://schemas.microsoft.com/office/drawing/2010/main">
+                <a:solidFill>
+                  <a:srgbClr val="FFFFFF"/>
+                </a:solidFill>
+              </a14:hiddenFill>
+            </a:ext>
+          </a:extLst>
+        </p:spPr>
+      </p:pic>
+      <p:pic>
+        <p:nvPicPr>
+          <p:cNvPr id="3082" name="Picture 10" descr="https://daks2k3a4ib2z.cloudfront.net/566ec0ffdec479521722d676/5673b0fb21564f8731af9c64_sketch.png"/>
+          <p:cNvPicPr>
+            <a:picLocks noChangeAspect="1" noChangeArrowheads="1"/>
+          </p:cNvPicPr>
+          <p:nvPr/>
+        </p:nvPicPr>
+        <p:blipFill>
+          <a:blip r:embed="rId7">
+            <a:extLst>
+              <a:ext uri="{28A0092B-C50C-407E-A947-70E740481C1C}">
+                <a14:useLocalDpi xmlns:a14="http://schemas.microsoft.com/office/drawing/2010/main" val="0"/>
+              </a:ext>
+            </a:extLst>
+          </a:blip>
+          <a:srcRect/>
+          <a:stretch>
+            <a:fillRect/>
+          </a:stretch>
+        </p:blipFill>
+        <p:spPr bwMode="auto">
+          <a:xfrm>
+            <a:off x="3957337" y="4970907"/>
+            <a:ext cx="993853" cy="874591"/>
+          </a:xfrm>
+          <a:prstGeom prst="rect">
+            <a:avLst/>
+          </a:prstGeom>
+          <a:noFill/>
+          <a:extLst>
+            <a:ext uri="{909E8E84-426E-40DD-AFC4-6F175D3DCCD1}">
+              <a14:hiddenFill xmlns:a14="http://schemas.microsoft.com/office/drawing/2010/main">
+                <a:solidFill>
+                  <a:srgbClr val="FFFFFF"/>
+                </a:solidFill>
+              </a14:hiddenFill>
+            </a:ext>
+          </a:extLst>
+        </p:spPr>
+      </p:pic>
     </p:spTree>
     <p:extLst>
       <p:ext uri="{BB962C8B-B14F-4D97-AF65-F5344CB8AC3E}">
-        <p14:creationId xmlns:p14="http://schemas.microsoft.com/office/powerpoint/2010/main" val="1363196301"/>
+        <p14:creationId xmlns:p14="http://schemas.microsoft.com/office/powerpoint/2010/main" val="1990207685"/>
       </p:ext>
     </p:extLst>
   </p:cSld>
@@ -6363,7 +7039,7 @@
                 <a:latin typeface="Helvetica" panose="020B0604020202020204" pitchFamily="34" charset="0"/>
                 <a:cs typeface="Helvetica" panose="020B0604020202020204" pitchFamily="34" charset="0"/>
               </a:rPr>
-              <a:t>Fragen</a:t>
+              <a:t>VIELEN DANK FÜR IHRE AUFMERKSAMKEIT!!!</a:t>
             </a:r>
             <a:endParaRPr lang="en-US" sz="2400" b="1" dirty="0">
               <a:solidFill>
@@ -6406,9 +7082,93 @@
           </a:fontRef>
         </p:style>
       </p:cxnSp>
+      <p:sp>
+        <p:nvSpPr>
+          <p:cNvPr id="14" name="Inhaltsplatzhalter 2"/>
+          <p:cNvSpPr>
+            <a:spLocks noGrp="1"/>
+          </p:cNvSpPr>
+          <p:nvPr>
+            <p:ph idx="1"/>
+          </p:nvPr>
+        </p:nvSpPr>
+        <p:spPr>
+          <a:xfrm>
+            <a:off x="4974694" y="3091338"/>
+            <a:ext cx="4736995" cy="1825198"/>
+          </a:xfrm>
+        </p:spPr>
+        <p:txBody>
+          <a:bodyPr>
+            <a:normAutofit/>
+          </a:bodyPr>
+          <a:lstStyle/>
+          <a:p>
+            <a:pPr marL="274320" lvl="1" indent="0">
+              <a:buClr>
+                <a:srgbClr val="00B0F0"/>
+              </a:buClr>
+              <a:buNone/>
+            </a:pPr>
+            <a:r>
+              <a:rPr lang="de-CH" sz="11500" b="1" dirty="0" smtClean="0">
+                <a:solidFill>
+                  <a:srgbClr val="92D050"/>
+                </a:solidFill>
+                <a:latin typeface="Helvetica" panose="020B0604020202020204" pitchFamily="34" charset="0"/>
+                <a:cs typeface="Helvetica" panose="020B0604020202020204" pitchFamily="34" charset="0"/>
+              </a:rPr>
+              <a:t>Demo</a:t>
+            </a:r>
+            <a:endParaRPr lang="de-CH" sz="7200" b="1" dirty="0" smtClean="0">
+              <a:solidFill>
+                <a:srgbClr val="92D050"/>
+              </a:solidFill>
+              <a:latin typeface="Helvetica" panose="020B0604020202020204" pitchFamily="34" charset="0"/>
+              <a:cs typeface="Helvetica" panose="020B0604020202020204" pitchFamily="34" charset="0"/>
+            </a:endParaRPr>
+          </a:p>
+          <a:p>
+            <a:pPr>
+              <a:buClr>
+                <a:srgbClr val="00B0F0"/>
+              </a:buClr>
+              <a:buFont typeface="Wingdings" panose="05000000000000000000" pitchFamily="2" charset="2"/>
+              <a:buChar char="§"/>
+            </a:pPr>
+            <a:endParaRPr lang="de-CH" sz="2400" dirty="0" smtClean="0">
+              <a:solidFill>
+                <a:schemeClr val="tx1">
+                  <a:lumMod val="75000"/>
+                </a:schemeClr>
+              </a:solidFill>
+              <a:latin typeface="Helvetica" panose="020B0604020202020204" pitchFamily="34" charset="0"/>
+              <a:cs typeface="Helvetica" panose="020B0604020202020204" pitchFamily="34" charset="0"/>
+            </a:endParaRPr>
+          </a:p>
+          <a:p>
+            <a:pPr>
+              <a:buClr>
+                <a:srgbClr val="00B0F0"/>
+              </a:buClr>
+              <a:buFont typeface="Wingdings" panose="05000000000000000000" pitchFamily="2" charset="2"/>
+              <a:buChar char="§"/>
+            </a:pPr>
+            <a:endParaRPr lang="en-US" sz="2400" dirty="0">
+              <a:solidFill>
+                <a:schemeClr val="tx1">
+                  <a:lumMod val="75000"/>
+                </a:schemeClr>
+              </a:solidFill>
+              <a:latin typeface="Helvetica" panose="020B0604020202020204" pitchFamily="34" charset="0"/>
+              <a:cs typeface="Helvetica" panose="020B0604020202020204" pitchFamily="34" charset="0"/>
+            </a:endParaRPr>
+          </a:p>
+        </p:txBody>
+      </p:sp>
       <p:pic>
         <p:nvPicPr>
-          <p:cNvPr id="4100" name="Picture 4" descr="https://s3-eu-central-1.amazonaws.com/ridble/wp-content/uploads/2013/06/AndroidQuestion-705x528.png"/>
+          <p:cNvPr id="5122" name="Picture 2" descr="https://4.bp.blogspot.com/-PyNp1tnOA4E/VmneyzTYvtI/AAAAAAAACbI/NS79jaTB_IU/s1600/image01.png"/>
           <p:cNvPicPr>
             <a:picLocks noChangeAspect="1" noChangeArrowheads="1"/>
           </p:cNvPicPr>
@@ -6429,8 +7189,8 @@
         </p:blipFill>
         <p:spPr bwMode="auto">
           <a:xfrm>
-            <a:off x="5824004" y="1979525"/>
-            <a:ext cx="5552357" cy="4158362"/>
+            <a:off x="1152347" y="1362975"/>
+            <a:ext cx="3449798" cy="5343346"/>
           </a:xfrm>
           <a:prstGeom prst="rect">
             <a:avLst/>
@@ -6447,40 +7207,10 @@
           </a:extLst>
         </p:spPr>
       </p:pic>
-      <p:pic>
-        <p:nvPicPr>
-          <p:cNvPr id="6" name="Grafik 5"/>
-          <p:cNvPicPr>
-            <a:picLocks noChangeAspect="1"/>
-          </p:cNvPicPr>
-          <p:nvPr/>
-        </p:nvPicPr>
-        <p:blipFill>
-          <a:blip r:embed="rId3">
-            <a:extLst>
-              <a:ext uri="{28A0092B-C50C-407E-A947-70E740481C1C}">
-                <a14:useLocalDpi xmlns:a14="http://schemas.microsoft.com/office/drawing/2010/main" val="0"/>
-              </a:ext>
-            </a:extLst>
-          </a:blip>
-          <a:stretch>
-            <a:fillRect/>
-          </a:stretch>
-        </p:blipFill>
-        <p:spPr>
-          <a:xfrm>
-            <a:off x="1460089" y="1126837"/>
-            <a:ext cx="5067300" cy="5286375"/>
-          </a:xfrm>
-          <a:prstGeom prst="rect">
-            <a:avLst/>
-          </a:prstGeom>
-        </p:spPr>
-      </p:pic>
     </p:spTree>
     <p:extLst>
       <p:ext uri="{BB962C8B-B14F-4D97-AF65-F5344CB8AC3E}">
-        <p14:creationId xmlns:p14="http://schemas.microsoft.com/office/powerpoint/2010/main" val="4042212626"/>
+        <p14:creationId xmlns:p14="http://schemas.microsoft.com/office/powerpoint/2010/main" val="1363196301"/>
       </p:ext>
     </p:extLst>
   </p:cSld>

--- a/Schlusspräsi.pptx
+++ b/Schlusspräsi.pptx
@@ -3737,7 +3737,7 @@
           <a:p>
             <a:pPr algn="ctr"/>
             <a:r>
-              <a:rPr lang="de-CH" sz="2400" b="1" dirty="0" smtClean="0">
+              <a:rPr lang="de-CH" sz="2800" b="1" dirty="0" smtClean="0">
                 <a:solidFill>
                   <a:srgbClr val="92D050"/>
                 </a:solidFill>
@@ -3746,7 +3746,7 @@
               </a:rPr>
               <a:t>Fragen</a:t>
             </a:r>
-            <a:endParaRPr lang="en-US" sz="2400" b="1" dirty="0">
+            <a:endParaRPr lang="en-US" sz="2800" b="1" dirty="0">
               <a:solidFill>
                 <a:srgbClr val="92D050"/>
               </a:solidFill>
@@ -3975,7 +3975,7 @@
               <a:buChar char="§"/>
             </a:pPr>
             <a:r>
-              <a:rPr lang="de-CH" sz="2400" b="1" dirty="0" smtClean="0">
+              <a:rPr lang="de-CH" sz="2800" b="1" dirty="0" smtClean="0">
                 <a:solidFill>
                   <a:srgbClr val="92D050"/>
                 </a:solidFill>
@@ -3994,7 +3994,7 @@
               <a:buChar char="§"/>
             </a:pPr>
             <a:r>
-              <a:rPr lang="de-CH" sz="2400" b="1" dirty="0" smtClean="0">
+              <a:rPr lang="de-CH" sz="2800" b="1" dirty="0" smtClean="0">
                 <a:solidFill>
                   <a:srgbClr val="92D050"/>
                 </a:solidFill>
@@ -4013,7 +4013,7 @@
               <a:buChar char="§"/>
             </a:pPr>
             <a:r>
-              <a:rPr lang="de-CH" sz="2400" b="1" dirty="0" smtClean="0">
+              <a:rPr lang="de-CH" sz="2800" b="1" dirty="0" smtClean="0">
                 <a:solidFill>
                   <a:srgbClr val="92D050"/>
                 </a:solidFill>
@@ -4032,7 +4032,7 @@
               <a:buChar char="§"/>
             </a:pPr>
             <a:r>
-              <a:rPr lang="de-CH" sz="2000" b="1" dirty="0" smtClean="0">
+              <a:rPr lang="de-CH" sz="2400" b="1" dirty="0" smtClean="0">
                 <a:solidFill>
                   <a:srgbClr val="92D050"/>
                 </a:solidFill>
@@ -4051,7 +4051,7 @@
               <a:buChar char="§"/>
             </a:pPr>
             <a:r>
-              <a:rPr lang="de-CH" sz="2000" b="1" dirty="0" smtClean="0">
+              <a:rPr lang="de-CH" sz="2400" b="1" dirty="0" smtClean="0">
                 <a:solidFill>
                   <a:srgbClr val="92D050"/>
                 </a:solidFill>
@@ -4070,7 +4070,7 @@
               <a:buChar char="§"/>
             </a:pPr>
             <a:r>
-              <a:rPr lang="de-CH" sz="2400" b="1" dirty="0" smtClean="0">
+              <a:rPr lang="de-CH" sz="2800" b="1" dirty="0" smtClean="0">
                 <a:solidFill>
                   <a:srgbClr val="92D050"/>
                 </a:solidFill>
@@ -4079,13 +4079,6 @@
               </a:rPr>
               <a:t>Outlook</a:t>
             </a:r>
-            <a:endParaRPr lang="de-CH" sz="2400" b="1" dirty="0" smtClean="0">
-              <a:solidFill>
-                <a:srgbClr val="92D050"/>
-              </a:solidFill>
-              <a:latin typeface="Helvetica" panose="020B0604020202020204" pitchFamily="34" charset="0"/>
-              <a:cs typeface="Helvetica" panose="020B0604020202020204" pitchFamily="34" charset="0"/>
-            </a:endParaRPr>
           </a:p>
           <a:p>
             <a:pPr>
@@ -4096,7 +4089,7 @@
               <a:buChar char="§"/>
             </a:pPr>
             <a:r>
-              <a:rPr lang="de-CH" sz="2400" b="1" dirty="0" smtClean="0">
+              <a:rPr lang="de-CH" sz="2800" b="1" dirty="0" smtClean="0">
                 <a:solidFill>
                   <a:srgbClr val="92D050"/>
                 </a:solidFill>
@@ -4115,7 +4108,7 @@
               <a:buChar char="§"/>
             </a:pPr>
             <a:r>
-              <a:rPr lang="de-CH" sz="2400" b="1" dirty="0" smtClean="0">
+              <a:rPr lang="de-CH" sz="2800" b="1" dirty="0" smtClean="0">
                 <a:solidFill>
                   <a:srgbClr val="92D050"/>
                 </a:solidFill>
@@ -5454,17 +5447,7 @@
                 <a:latin typeface="Helvetica" panose="020B0604020202020204" pitchFamily="34" charset="0"/>
                 <a:cs typeface="Helvetica" panose="020B0604020202020204" pitchFamily="34" charset="0"/>
               </a:rPr>
-              <a:t>Tour </a:t>
-            </a:r>
-            <a:r>
-              <a:rPr lang="de-CH" sz="3000" b="1" dirty="0" smtClean="0">
-                <a:solidFill>
-                  <a:srgbClr val="92D050"/>
-                </a:solidFill>
-                <a:latin typeface="Helvetica" panose="020B0604020202020204" pitchFamily="34" charset="0"/>
-                <a:cs typeface="Helvetica" panose="020B0604020202020204" pitchFamily="34" charset="0"/>
-              </a:rPr>
-              <a:t>auswählen</a:t>
+              <a:t>Tour auswählen</a:t>
             </a:r>
           </a:p>
           <a:p>
@@ -5495,13 +5478,6 @@
               </a:rPr>
               <a:t>starten</a:t>
             </a:r>
-            <a:endParaRPr lang="de-CH" sz="3000" b="1" dirty="0" smtClean="0">
-              <a:solidFill>
-                <a:srgbClr val="92D050"/>
-              </a:solidFill>
-              <a:latin typeface="Helvetica" panose="020B0604020202020204" pitchFamily="34" charset="0"/>
-              <a:cs typeface="Helvetica" panose="020B0604020202020204" pitchFamily="34" charset="0"/>
-            </a:endParaRPr>
           </a:p>
           <a:p>
             <a:pPr marL="0" indent="0">
@@ -5795,17 +5771,7 @@
                 <a:latin typeface="Helvetica" panose="020B0604020202020204" pitchFamily="34" charset="0"/>
                 <a:cs typeface="Helvetica" panose="020B0604020202020204" pitchFamily="34" charset="0"/>
               </a:rPr>
-              <a:t>Alle </a:t>
-            </a:r>
-            <a:r>
-              <a:rPr lang="de-CH" sz="3000" b="1" dirty="0" smtClean="0">
-                <a:solidFill>
-                  <a:srgbClr val="92D050"/>
-                </a:solidFill>
-                <a:latin typeface="Helvetica" panose="020B0604020202020204" pitchFamily="34" charset="0"/>
-                <a:cs typeface="Helvetica" panose="020B0604020202020204" pitchFamily="34" charset="0"/>
-              </a:rPr>
-              <a:t>Zielpunkte besuchen</a:t>
+              <a:t>Alle Zielpunkte besuchen</a:t>
             </a:r>
           </a:p>
           <a:p>
@@ -6017,27 +5983,7 @@
                 <a:latin typeface="Helvetica" panose="020B0604020202020204" pitchFamily="34" charset="0"/>
                 <a:cs typeface="Helvetica" panose="020B0604020202020204" pitchFamily="34" charset="0"/>
               </a:rPr>
-              <a:t>Funktionalität </a:t>
-            </a:r>
-            <a:r>
-              <a:rPr lang="de-CH" sz="2400" b="1" dirty="0" smtClean="0">
-                <a:solidFill>
-                  <a:srgbClr val="92D050"/>
-                </a:solidFill>
-                <a:latin typeface="Helvetica" panose="020B0604020202020204" pitchFamily="34" charset="0"/>
-                <a:cs typeface="Helvetica" panose="020B0604020202020204" pitchFamily="34" charset="0"/>
-              </a:rPr>
-              <a:t>2: </a:t>
-            </a:r>
-            <a:r>
-              <a:rPr lang="de-CH" sz="2400" b="1" dirty="0" smtClean="0">
-                <a:solidFill>
-                  <a:srgbClr val="92D050"/>
-                </a:solidFill>
-                <a:latin typeface="Helvetica" panose="020B0604020202020204" pitchFamily="34" charset="0"/>
-                <a:cs typeface="Helvetica" panose="020B0604020202020204" pitchFamily="34" charset="0"/>
-              </a:rPr>
-              <a:t>Tour Summary</a:t>
+              <a:t>Funktionalität 2: Tour Summary</a:t>
             </a:r>
             <a:endParaRPr lang="en-US" sz="2400" b="1" dirty="0">
               <a:solidFill>
@@ -6146,27 +6092,7 @@
                 <a:latin typeface="Helvetica" panose="020B0604020202020204" pitchFamily="34" charset="0"/>
                 <a:cs typeface="Helvetica" panose="020B0604020202020204" pitchFamily="34" charset="0"/>
               </a:rPr>
-              <a:t>Tour Summary </a:t>
-            </a:r>
-            <a:r>
-              <a:rPr lang="de-CH" sz="3000" b="1" dirty="0" smtClean="0">
-                <a:solidFill>
-                  <a:srgbClr val="92D050"/>
-                </a:solidFill>
-                <a:latin typeface="Helvetica" panose="020B0604020202020204" pitchFamily="34" charset="0"/>
-                <a:cs typeface="Helvetica" panose="020B0604020202020204" pitchFamily="34" charset="0"/>
-              </a:rPr>
-              <a:t>mit allen geschossenen Fotos wird </a:t>
-            </a:r>
-            <a:r>
-              <a:rPr lang="de-CH" sz="3000" b="1" dirty="0" smtClean="0">
-                <a:solidFill>
-                  <a:srgbClr val="92D050"/>
-                </a:solidFill>
-                <a:latin typeface="Helvetica" panose="020B0604020202020204" pitchFamily="34" charset="0"/>
-                <a:cs typeface="Helvetica" panose="020B0604020202020204" pitchFamily="34" charset="0"/>
-              </a:rPr>
-              <a:t>angezeigt</a:t>
+              <a:t>Tour Summary mit allen geschossenen Fotos wird angezeigt</a:t>
             </a:r>
           </a:p>
           <a:p>
@@ -6322,7 +6248,7 @@
           <a:lstStyle/>
           <a:p>
             <a:r>
-              <a:rPr lang="de-CH" sz="2400" b="1" dirty="0" smtClean="0">
+              <a:rPr lang="de-CH" sz="2800" b="1" dirty="0" smtClean="0">
                 <a:solidFill>
                   <a:srgbClr val="92D050"/>
                 </a:solidFill>
@@ -6331,7 +6257,7 @@
               </a:rPr>
               <a:t>Outlook</a:t>
             </a:r>
-            <a:endParaRPr lang="en-US" sz="2400" b="1" dirty="0">
+            <a:endParaRPr lang="en-US" sz="2800" b="1" dirty="0">
               <a:solidFill>
                 <a:srgbClr val="92D050"/>
               </a:solidFill>
@@ -6873,8 +6799,8 @@
         </p:blipFill>
         <p:spPr>
           <a:xfrm>
-            <a:off x="-472543" y="1089996"/>
-            <a:ext cx="2249586" cy="1706246"/>
+            <a:off x="-558383" y="985643"/>
+            <a:ext cx="2404860" cy="1824017"/>
           </a:xfrm>
           <a:prstGeom prst="rect">
             <a:avLst/>
